--- a/week1_unixI/week1b.pptx
+++ b/week1_unixI/week1b.pptx
@@ -228,7 +228,7 @@
           <a:p>
             <a:fld id="{12427B52-3F12-BB40-B768-574A6EBC6087}" type="datetimeFigureOut">
               <a:rPr lang="en-US" smtClean="0"/>
-              <a:t>8/31/23</a:t>
+              <a:t>8/29/24</a:t>
             </a:fld>
             <a:endParaRPr lang="en-US"/>
           </a:p>
@@ -1013,7 +1013,7 @@
           <a:p>
             <a:fld id="{22D2DA61-07B7-C347-9103-BA4E0BBA73A5}" type="datetimeFigureOut">
               <a:rPr lang="en-US" smtClean="0"/>
-              <a:t>8/31/23</a:t>
+              <a:t>8/29/24</a:t>
             </a:fld>
             <a:endParaRPr lang="en-US"/>
           </a:p>
@@ -1181,7 +1181,7 @@
           <a:p>
             <a:fld id="{22D2DA61-07B7-C347-9103-BA4E0BBA73A5}" type="datetimeFigureOut">
               <a:rPr lang="en-US" smtClean="0"/>
-              <a:t>8/31/23</a:t>
+              <a:t>8/29/24</a:t>
             </a:fld>
             <a:endParaRPr lang="en-US"/>
           </a:p>
@@ -1359,7 +1359,7 @@
           <a:p>
             <a:fld id="{22D2DA61-07B7-C347-9103-BA4E0BBA73A5}" type="datetimeFigureOut">
               <a:rPr lang="en-US" smtClean="0"/>
-              <a:t>8/31/23</a:t>
+              <a:t>8/29/24</a:t>
             </a:fld>
             <a:endParaRPr lang="en-US"/>
           </a:p>
@@ -1527,7 +1527,7 @@
           <a:p>
             <a:fld id="{22D2DA61-07B7-C347-9103-BA4E0BBA73A5}" type="datetimeFigureOut">
               <a:rPr lang="en-US" smtClean="0"/>
-              <a:t>8/31/23</a:t>
+              <a:t>8/29/24</a:t>
             </a:fld>
             <a:endParaRPr lang="en-US"/>
           </a:p>
@@ -1772,7 +1772,7 @@
           <a:p>
             <a:fld id="{22D2DA61-07B7-C347-9103-BA4E0BBA73A5}" type="datetimeFigureOut">
               <a:rPr lang="en-US" smtClean="0"/>
-              <a:t>8/31/23</a:t>
+              <a:t>8/29/24</a:t>
             </a:fld>
             <a:endParaRPr lang="en-US"/>
           </a:p>
@@ -2057,7 +2057,7 @@
           <a:p>
             <a:fld id="{22D2DA61-07B7-C347-9103-BA4E0BBA73A5}" type="datetimeFigureOut">
               <a:rPr lang="en-US" smtClean="0"/>
-              <a:t>8/31/23</a:t>
+              <a:t>8/29/24</a:t>
             </a:fld>
             <a:endParaRPr lang="en-US"/>
           </a:p>
@@ -2476,7 +2476,7 @@
           <a:p>
             <a:fld id="{22D2DA61-07B7-C347-9103-BA4E0BBA73A5}" type="datetimeFigureOut">
               <a:rPr lang="en-US" smtClean="0"/>
-              <a:t>8/31/23</a:t>
+              <a:t>8/29/24</a:t>
             </a:fld>
             <a:endParaRPr lang="en-US"/>
           </a:p>
@@ -2593,7 +2593,7 @@
           <a:p>
             <a:fld id="{22D2DA61-07B7-C347-9103-BA4E0BBA73A5}" type="datetimeFigureOut">
               <a:rPr lang="en-US" smtClean="0"/>
-              <a:t>8/31/23</a:t>
+              <a:t>8/29/24</a:t>
             </a:fld>
             <a:endParaRPr lang="en-US"/>
           </a:p>
@@ -2688,7 +2688,7 @@
           <a:p>
             <a:fld id="{22D2DA61-07B7-C347-9103-BA4E0BBA73A5}" type="datetimeFigureOut">
               <a:rPr lang="en-US" smtClean="0"/>
-              <a:t>8/31/23</a:t>
+              <a:t>8/29/24</a:t>
             </a:fld>
             <a:endParaRPr lang="en-US"/>
           </a:p>
@@ -2963,7 +2963,7 @@
           <a:p>
             <a:fld id="{22D2DA61-07B7-C347-9103-BA4E0BBA73A5}" type="datetimeFigureOut">
               <a:rPr lang="en-US" smtClean="0"/>
-              <a:t>8/31/23</a:t>
+              <a:t>8/29/24</a:t>
             </a:fld>
             <a:endParaRPr lang="en-US"/>
           </a:p>
@@ -3215,7 +3215,7 @@
           <a:p>
             <a:fld id="{22D2DA61-07B7-C347-9103-BA4E0BBA73A5}" type="datetimeFigureOut">
               <a:rPr lang="en-US" smtClean="0"/>
-              <a:t>8/31/23</a:t>
+              <a:t>8/29/24</a:t>
             </a:fld>
             <a:endParaRPr lang="en-US"/>
           </a:p>
@@ -3426,7 +3426,7 @@
           <a:p>
             <a:fld id="{22D2DA61-07B7-C347-9103-BA4E0BBA73A5}" type="datetimeFigureOut">
               <a:rPr lang="en-US" smtClean="0"/>
-              <a:t>8/31/23</a:t>
+              <a:t>8/29/24</a:t>
             </a:fld>
             <a:endParaRPr lang="en-US"/>
           </a:p>
@@ -6118,7 +6118,19 @@
               <a:rPr lang="en-US" sz="2000" dirty="0">
                 <a:latin typeface="Helvetica Light" panose="020B0403020202020204" pitchFamily="34" charset="0"/>
               </a:rPr>
-              <a:t> from the the course website, under week1.</a:t>
+              <a:t> from the the course </a:t>
+            </a:r>
+            <a:r>
+              <a:rPr lang="en-US" sz="2000" dirty="0" err="1">
+                <a:latin typeface="Helvetica Light" panose="020B0403020202020204" pitchFamily="34" charset="0"/>
+              </a:rPr>
+              <a:t>github</a:t>
+            </a:r>
+            <a:r>
+              <a:rPr lang="en-US" sz="2000" dirty="0">
+                <a:latin typeface="Helvetica Light" panose="020B0403020202020204" pitchFamily="34" charset="0"/>
+              </a:rPr>
+              <a:t> page, under week1.</a:t>
             </a:r>
           </a:p>
           <a:p>
@@ -6162,9 +6174,7 @@
             </a:r>
           </a:p>
           <a:p>
-            <a:pPr marL="342900" indent="-342900">
-              <a:buAutoNum type="arabicPeriod" startAt="2"/>
-            </a:pPr>
+            <a:pPr lvl="1"/>
             <a:endParaRPr lang="en-US" sz="2000" dirty="0">
               <a:latin typeface="Helvetica Light" panose="020B0403020202020204" pitchFamily="34" charset="0"/>
             </a:endParaRPr>
